--- a/ppt 16-9/0643.除你以外在天上.pptx
+++ b/ppt 16-9/0643.除你以外在天上.pptx
@@ -129,7 +129,7 @@
           <p:cNvPr id="2" name="标题 1">
             <a:extLst>
               <a:ext uri="{FF2B5EF4-FFF2-40B4-BE49-F238E27FC236}">
-                <a16:creationId xmlns:a16="http://schemas.microsoft.com/office/drawing/2014/main" id="{80B8D051-E573-1A8E-22EE-E96B818EA5D1}"/>
+                <a16:creationId xmlns:a16="http://schemas.microsoft.com/office/drawing/2014/main" id="{E99EF9CE-BEA4-3734-1CB0-0CCE43F45D6E}"/>
               </a:ext>
             </a:extLst>
           </p:cNvPr>
@@ -166,7 +166,7 @@
           <p:cNvPr id="3" name="副标题 2">
             <a:extLst>
               <a:ext uri="{FF2B5EF4-FFF2-40B4-BE49-F238E27FC236}">
-                <a16:creationId xmlns:a16="http://schemas.microsoft.com/office/drawing/2014/main" id="{841A652C-238C-09D3-FBD2-AFC14D6BB00E}"/>
+                <a16:creationId xmlns:a16="http://schemas.microsoft.com/office/drawing/2014/main" id="{3EC4CA64-B401-6053-0F94-449FDC80D0C1}"/>
               </a:ext>
             </a:extLst>
           </p:cNvPr>
@@ -236,7 +236,7 @@
           <p:cNvPr id="4" name="日期占位符 3">
             <a:extLst>
               <a:ext uri="{FF2B5EF4-FFF2-40B4-BE49-F238E27FC236}">
-                <a16:creationId xmlns:a16="http://schemas.microsoft.com/office/drawing/2014/main" id="{F3C34F9D-4915-CF01-8FB8-2A67545DCEDB}"/>
+                <a16:creationId xmlns:a16="http://schemas.microsoft.com/office/drawing/2014/main" id="{C57B65B9-0ED6-363E-207A-386954D81DC3}"/>
               </a:ext>
             </a:extLst>
           </p:cNvPr>
@@ -252,7 +252,7 @@
           <a:bodyPr/>
           <a:lstStyle/>
           <a:p>
-            <a:fld id="{BD3C8CC7-D990-4D67-9D47-950FE1A05C92}" type="datetimeFigureOut">
+            <a:fld id="{0CEAB4F7-4342-44DF-8871-2E220318F9A7}" type="datetimeFigureOut">
               <a:rPr lang="zh-CN" altLang="en-US" smtClean="0"/>
               <a:t>2024/3/10</a:t>
             </a:fld>
@@ -265,7 +265,7 @@
           <p:cNvPr id="5" name="页脚占位符 4">
             <a:extLst>
               <a:ext uri="{FF2B5EF4-FFF2-40B4-BE49-F238E27FC236}">
-                <a16:creationId xmlns:a16="http://schemas.microsoft.com/office/drawing/2014/main" id="{1E454A07-13C8-50D5-6805-74782EDB8181}"/>
+                <a16:creationId xmlns:a16="http://schemas.microsoft.com/office/drawing/2014/main" id="{33ACE3A6-F663-B9F5-8014-93C4C9AC4F45}"/>
               </a:ext>
             </a:extLst>
           </p:cNvPr>
@@ -290,7 +290,7 @@
           <p:cNvPr id="6" name="灯片编号占位符 5">
             <a:extLst>
               <a:ext uri="{FF2B5EF4-FFF2-40B4-BE49-F238E27FC236}">
-                <a16:creationId xmlns:a16="http://schemas.microsoft.com/office/drawing/2014/main" id="{5C3F2BED-6244-6EBF-CCEC-A1AD571302EE}"/>
+                <a16:creationId xmlns:a16="http://schemas.microsoft.com/office/drawing/2014/main" id="{DFD6452D-C3E6-FC44-43D1-5F1C4D302413}"/>
               </a:ext>
             </a:extLst>
           </p:cNvPr>
@@ -306,7 +306,7 @@
           <a:bodyPr/>
           <a:lstStyle/>
           <a:p>
-            <a:fld id="{03744990-13AD-4218-938D-ECBD9D556FBD}" type="slidenum">
+            <a:fld id="{4445C4E5-EBDC-42A6-9520-7D321BB61697}" type="slidenum">
               <a:rPr lang="zh-CN" altLang="en-US" smtClean="0"/>
               <a:t>‹#›</a:t>
             </a:fld>
@@ -317,7 +317,7 @@
     </p:spTree>
     <p:extLst>
       <p:ext uri="{BB962C8B-B14F-4D97-AF65-F5344CB8AC3E}">
-        <p14:creationId xmlns:p14="http://schemas.microsoft.com/office/powerpoint/2010/main" val="587523834"/>
+        <p14:creationId xmlns:p14="http://schemas.microsoft.com/office/powerpoint/2010/main" val="1078462607"/>
       </p:ext>
     </p:extLst>
   </p:cSld>
@@ -349,7 +349,7 @@
           <p:cNvPr id="2" name="标题 1">
             <a:extLst>
               <a:ext uri="{FF2B5EF4-FFF2-40B4-BE49-F238E27FC236}">
-                <a16:creationId xmlns:a16="http://schemas.microsoft.com/office/drawing/2014/main" id="{8E201979-7982-64E7-D9A1-F3C38ED34695}"/>
+                <a16:creationId xmlns:a16="http://schemas.microsoft.com/office/drawing/2014/main" id="{8E25941B-8012-F414-2227-F57B08CE1102}"/>
               </a:ext>
             </a:extLst>
           </p:cNvPr>
@@ -377,7 +377,7 @@
           <p:cNvPr id="3" name="竖排文字占位符 2">
             <a:extLst>
               <a:ext uri="{FF2B5EF4-FFF2-40B4-BE49-F238E27FC236}">
-                <a16:creationId xmlns:a16="http://schemas.microsoft.com/office/drawing/2014/main" id="{793864CD-9F84-EAA1-596D-26141BF4886C}"/>
+                <a16:creationId xmlns:a16="http://schemas.microsoft.com/office/drawing/2014/main" id="{8DC7106D-C90B-96CB-D3CF-A82E20020C97}"/>
               </a:ext>
             </a:extLst>
           </p:cNvPr>
@@ -434,7 +434,7 @@
           <p:cNvPr id="4" name="日期占位符 3">
             <a:extLst>
               <a:ext uri="{FF2B5EF4-FFF2-40B4-BE49-F238E27FC236}">
-                <a16:creationId xmlns:a16="http://schemas.microsoft.com/office/drawing/2014/main" id="{8AC1AC1D-CFD7-5ABF-D4C7-F7D4AA9204BF}"/>
+                <a16:creationId xmlns:a16="http://schemas.microsoft.com/office/drawing/2014/main" id="{4990EFB5-B4F7-007D-B738-EACA34794A7F}"/>
               </a:ext>
             </a:extLst>
           </p:cNvPr>
@@ -450,7 +450,7 @@
           <a:bodyPr/>
           <a:lstStyle/>
           <a:p>
-            <a:fld id="{BD3C8CC7-D990-4D67-9D47-950FE1A05C92}" type="datetimeFigureOut">
+            <a:fld id="{0CEAB4F7-4342-44DF-8871-2E220318F9A7}" type="datetimeFigureOut">
               <a:rPr lang="zh-CN" altLang="en-US" smtClean="0"/>
               <a:t>2024/3/10</a:t>
             </a:fld>
@@ -463,7 +463,7 @@
           <p:cNvPr id="5" name="页脚占位符 4">
             <a:extLst>
               <a:ext uri="{FF2B5EF4-FFF2-40B4-BE49-F238E27FC236}">
-                <a16:creationId xmlns:a16="http://schemas.microsoft.com/office/drawing/2014/main" id="{DB496661-CACB-C385-91B3-7E34A9895E78}"/>
+                <a16:creationId xmlns:a16="http://schemas.microsoft.com/office/drawing/2014/main" id="{8ED43D30-E78D-2482-D40A-FA4E190D23FA}"/>
               </a:ext>
             </a:extLst>
           </p:cNvPr>
@@ -488,7 +488,7 @@
           <p:cNvPr id="6" name="灯片编号占位符 5">
             <a:extLst>
               <a:ext uri="{FF2B5EF4-FFF2-40B4-BE49-F238E27FC236}">
-                <a16:creationId xmlns:a16="http://schemas.microsoft.com/office/drawing/2014/main" id="{23162131-CCD8-BD03-F587-EA361F83EC28}"/>
+                <a16:creationId xmlns:a16="http://schemas.microsoft.com/office/drawing/2014/main" id="{1B1E2175-8FAA-561D-CE4E-0E2EB48B54B1}"/>
               </a:ext>
             </a:extLst>
           </p:cNvPr>
@@ -504,7 +504,7 @@
           <a:bodyPr/>
           <a:lstStyle/>
           <a:p>
-            <a:fld id="{03744990-13AD-4218-938D-ECBD9D556FBD}" type="slidenum">
+            <a:fld id="{4445C4E5-EBDC-42A6-9520-7D321BB61697}" type="slidenum">
               <a:rPr lang="zh-CN" altLang="en-US" smtClean="0"/>
               <a:t>‹#›</a:t>
             </a:fld>
@@ -515,7 +515,7 @@
     </p:spTree>
     <p:extLst>
       <p:ext uri="{BB962C8B-B14F-4D97-AF65-F5344CB8AC3E}">
-        <p14:creationId xmlns:p14="http://schemas.microsoft.com/office/powerpoint/2010/main" val="1964147585"/>
+        <p14:creationId xmlns:p14="http://schemas.microsoft.com/office/powerpoint/2010/main" val="3938211575"/>
       </p:ext>
     </p:extLst>
   </p:cSld>
@@ -547,7 +547,7 @@
           <p:cNvPr id="2" name="竖排标题 1">
             <a:extLst>
               <a:ext uri="{FF2B5EF4-FFF2-40B4-BE49-F238E27FC236}">
-                <a16:creationId xmlns:a16="http://schemas.microsoft.com/office/drawing/2014/main" id="{383A77DB-2A58-3B37-0840-5E3849754004}"/>
+                <a16:creationId xmlns:a16="http://schemas.microsoft.com/office/drawing/2014/main" id="{8C5D7347-0C0F-1844-1A6C-C49E90AE6725}"/>
               </a:ext>
             </a:extLst>
           </p:cNvPr>
@@ -580,7 +580,7 @@
           <p:cNvPr id="3" name="竖排文字占位符 2">
             <a:extLst>
               <a:ext uri="{FF2B5EF4-FFF2-40B4-BE49-F238E27FC236}">
-                <a16:creationId xmlns:a16="http://schemas.microsoft.com/office/drawing/2014/main" id="{99146879-F9E5-3911-05D4-98DB6AB4ACE7}"/>
+                <a16:creationId xmlns:a16="http://schemas.microsoft.com/office/drawing/2014/main" id="{CD4EF249-A79C-5F01-3515-F4D7BA950A01}"/>
               </a:ext>
             </a:extLst>
           </p:cNvPr>
@@ -642,7 +642,7 @@
           <p:cNvPr id="4" name="日期占位符 3">
             <a:extLst>
               <a:ext uri="{FF2B5EF4-FFF2-40B4-BE49-F238E27FC236}">
-                <a16:creationId xmlns:a16="http://schemas.microsoft.com/office/drawing/2014/main" id="{E4EDACB9-8F72-3800-37C5-4894A4E13A73}"/>
+                <a16:creationId xmlns:a16="http://schemas.microsoft.com/office/drawing/2014/main" id="{6666F833-AFD1-F6AC-52B2-22770BA2F090}"/>
               </a:ext>
             </a:extLst>
           </p:cNvPr>
@@ -658,7 +658,7 @@
           <a:bodyPr/>
           <a:lstStyle/>
           <a:p>
-            <a:fld id="{BD3C8CC7-D990-4D67-9D47-950FE1A05C92}" type="datetimeFigureOut">
+            <a:fld id="{0CEAB4F7-4342-44DF-8871-2E220318F9A7}" type="datetimeFigureOut">
               <a:rPr lang="zh-CN" altLang="en-US" smtClean="0"/>
               <a:t>2024/3/10</a:t>
             </a:fld>
@@ -671,7 +671,7 @@
           <p:cNvPr id="5" name="页脚占位符 4">
             <a:extLst>
               <a:ext uri="{FF2B5EF4-FFF2-40B4-BE49-F238E27FC236}">
-                <a16:creationId xmlns:a16="http://schemas.microsoft.com/office/drawing/2014/main" id="{85F88AF7-5CD6-C283-D4C2-7A5C343DAF5F}"/>
+                <a16:creationId xmlns:a16="http://schemas.microsoft.com/office/drawing/2014/main" id="{40C08EEB-EE34-F5BA-5071-0C2A50723C38}"/>
               </a:ext>
             </a:extLst>
           </p:cNvPr>
@@ -696,7 +696,7 @@
           <p:cNvPr id="6" name="灯片编号占位符 5">
             <a:extLst>
               <a:ext uri="{FF2B5EF4-FFF2-40B4-BE49-F238E27FC236}">
-                <a16:creationId xmlns:a16="http://schemas.microsoft.com/office/drawing/2014/main" id="{33E02B31-B09C-965C-8567-7FB61C6F8E35}"/>
+                <a16:creationId xmlns:a16="http://schemas.microsoft.com/office/drawing/2014/main" id="{83BF3AA1-B1AB-F203-8B8A-A38888BC1C1C}"/>
               </a:ext>
             </a:extLst>
           </p:cNvPr>
@@ -712,7 +712,7 @@
           <a:bodyPr/>
           <a:lstStyle/>
           <a:p>
-            <a:fld id="{03744990-13AD-4218-938D-ECBD9D556FBD}" type="slidenum">
+            <a:fld id="{4445C4E5-EBDC-42A6-9520-7D321BB61697}" type="slidenum">
               <a:rPr lang="zh-CN" altLang="en-US" smtClean="0"/>
               <a:t>‹#›</a:t>
             </a:fld>
@@ -723,7 +723,7 @@
     </p:spTree>
     <p:extLst>
       <p:ext uri="{BB962C8B-B14F-4D97-AF65-F5344CB8AC3E}">
-        <p14:creationId xmlns:p14="http://schemas.microsoft.com/office/powerpoint/2010/main" val="3520319997"/>
+        <p14:creationId xmlns:p14="http://schemas.microsoft.com/office/powerpoint/2010/main" val="460159073"/>
       </p:ext>
     </p:extLst>
   </p:cSld>
@@ -755,7 +755,7 @@
           <p:cNvPr id="2" name="标题 1">
             <a:extLst>
               <a:ext uri="{FF2B5EF4-FFF2-40B4-BE49-F238E27FC236}">
-                <a16:creationId xmlns:a16="http://schemas.microsoft.com/office/drawing/2014/main" id="{6EC2094E-F9F1-3555-517E-5B58808BBA05}"/>
+                <a16:creationId xmlns:a16="http://schemas.microsoft.com/office/drawing/2014/main" id="{CBEDB4C7-1702-DCCC-C93A-8567210BDC08}"/>
               </a:ext>
             </a:extLst>
           </p:cNvPr>
@@ -783,7 +783,7 @@
           <p:cNvPr id="3" name="内容占位符 2">
             <a:extLst>
               <a:ext uri="{FF2B5EF4-FFF2-40B4-BE49-F238E27FC236}">
-                <a16:creationId xmlns:a16="http://schemas.microsoft.com/office/drawing/2014/main" id="{62243A4B-8473-05C4-80C5-078485C46E3E}"/>
+                <a16:creationId xmlns:a16="http://schemas.microsoft.com/office/drawing/2014/main" id="{FFB5C30C-5DB6-0667-D236-795240306447}"/>
               </a:ext>
             </a:extLst>
           </p:cNvPr>
@@ -840,7 +840,7 @@
           <p:cNvPr id="4" name="日期占位符 3">
             <a:extLst>
               <a:ext uri="{FF2B5EF4-FFF2-40B4-BE49-F238E27FC236}">
-                <a16:creationId xmlns:a16="http://schemas.microsoft.com/office/drawing/2014/main" id="{2F6403C1-29D0-F70C-44B5-54EC336D21F2}"/>
+                <a16:creationId xmlns:a16="http://schemas.microsoft.com/office/drawing/2014/main" id="{4DE68759-860C-2D90-1E8B-8E4B54F838DC}"/>
               </a:ext>
             </a:extLst>
           </p:cNvPr>
@@ -856,7 +856,7 @@
           <a:bodyPr/>
           <a:lstStyle/>
           <a:p>
-            <a:fld id="{BD3C8CC7-D990-4D67-9D47-950FE1A05C92}" type="datetimeFigureOut">
+            <a:fld id="{0CEAB4F7-4342-44DF-8871-2E220318F9A7}" type="datetimeFigureOut">
               <a:rPr lang="zh-CN" altLang="en-US" smtClean="0"/>
               <a:t>2024/3/10</a:t>
             </a:fld>
@@ -869,7 +869,7 @@
           <p:cNvPr id="5" name="页脚占位符 4">
             <a:extLst>
               <a:ext uri="{FF2B5EF4-FFF2-40B4-BE49-F238E27FC236}">
-                <a16:creationId xmlns:a16="http://schemas.microsoft.com/office/drawing/2014/main" id="{5F498F17-2CCC-4593-2DD5-C64201AAB5E2}"/>
+                <a16:creationId xmlns:a16="http://schemas.microsoft.com/office/drawing/2014/main" id="{3276CFA4-CE97-56CE-8F79-83F20BFBECEB}"/>
               </a:ext>
             </a:extLst>
           </p:cNvPr>
@@ -894,7 +894,7 @@
           <p:cNvPr id="6" name="灯片编号占位符 5">
             <a:extLst>
               <a:ext uri="{FF2B5EF4-FFF2-40B4-BE49-F238E27FC236}">
-                <a16:creationId xmlns:a16="http://schemas.microsoft.com/office/drawing/2014/main" id="{BE0F50E4-60E6-E86E-FE42-9EB40846245E}"/>
+                <a16:creationId xmlns:a16="http://schemas.microsoft.com/office/drawing/2014/main" id="{5487806D-4899-83DD-1283-217AAC6CE83D}"/>
               </a:ext>
             </a:extLst>
           </p:cNvPr>
@@ -910,7 +910,7 @@
           <a:bodyPr/>
           <a:lstStyle/>
           <a:p>
-            <a:fld id="{03744990-13AD-4218-938D-ECBD9D556FBD}" type="slidenum">
+            <a:fld id="{4445C4E5-EBDC-42A6-9520-7D321BB61697}" type="slidenum">
               <a:rPr lang="zh-CN" altLang="en-US" smtClean="0"/>
               <a:t>‹#›</a:t>
             </a:fld>
@@ -921,7 +921,7 @@
     </p:spTree>
     <p:extLst>
       <p:ext uri="{BB962C8B-B14F-4D97-AF65-F5344CB8AC3E}">
-        <p14:creationId xmlns:p14="http://schemas.microsoft.com/office/powerpoint/2010/main" val="3778110847"/>
+        <p14:creationId xmlns:p14="http://schemas.microsoft.com/office/powerpoint/2010/main" val="2086453734"/>
       </p:ext>
     </p:extLst>
   </p:cSld>
@@ -953,7 +953,7 @@
           <p:cNvPr id="2" name="标题 1">
             <a:extLst>
               <a:ext uri="{FF2B5EF4-FFF2-40B4-BE49-F238E27FC236}">
-                <a16:creationId xmlns:a16="http://schemas.microsoft.com/office/drawing/2014/main" id="{B9E47494-FE70-6E66-D292-5744BAE4EC70}"/>
+                <a16:creationId xmlns:a16="http://schemas.microsoft.com/office/drawing/2014/main" id="{43E547AA-DA9C-D614-74E0-E839A6BAF1E1}"/>
               </a:ext>
             </a:extLst>
           </p:cNvPr>
@@ -990,7 +990,7 @@
           <p:cNvPr id="3" name="文本占位符 2">
             <a:extLst>
               <a:ext uri="{FF2B5EF4-FFF2-40B4-BE49-F238E27FC236}">
-                <a16:creationId xmlns:a16="http://schemas.microsoft.com/office/drawing/2014/main" id="{3DD576B0-1069-BB0E-C015-22B793142881}"/>
+                <a16:creationId xmlns:a16="http://schemas.microsoft.com/office/drawing/2014/main" id="{97564335-2778-852B-E96F-287659F1EA7B}"/>
               </a:ext>
             </a:extLst>
           </p:cNvPr>
@@ -1115,7 +1115,7 @@
           <p:cNvPr id="4" name="日期占位符 3">
             <a:extLst>
               <a:ext uri="{FF2B5EF4-FFF2-40B4-BE49-F238E27FC236}">
-                <a16:creationId xmlns:a16="http://schemas.microsoft.com/office/drawing/2014/main" id="{A7C336CF-0CE7-8418-4843-D031AEEA6D04}"/>
+                <a16:creationId xmlns:a16="http://schemas.microsoft.com/office/drawing/2014/main" id="{D10A7573-6576-F724-7807-00A0CECC8D6A}"/>
               </a:ext>
             </a:extLst>
           </p:cNvPr>
@@ -1131,7 +1131,7 @@
           <a:bodyPr/>
           <a:lstStyle/>
           <a:p>
-            <a:fld id="{BD3C8CC7-D990-4D67-9D47-950FE1A05C92}" type="datetimeFigureOut">
+            <a:fld id="{0CEAB4F7-4342-44DF-8871-2E220318F9A7}" type="datetimeFigureOut">
               <a:rPr lang="zh-CN" altLang="en-US" smtClean="0"/>
               <a:t>2024/3/10</a:t>
             </a:fld>
@@ -1144,7 +1144,7 @@
           <p:cNvPr id="5" name="页脚占位符 4">
             <a:extLst>
               <a:ext uri="{FF2B5EF4-FFF2-40B4-BE49-F238E27FC236}">
-                <a16:creationId xmlns:a16="http://schemas.microsoft.com/office/drawing/2014/main" id="{5CE9DCE2-8F6F-9E44-B84F-7E78FF452B4E}"/>
+                <a16:creationId xmlns:a16="http://schemas.microsoft.com/office/drawing/2014/main" id="{DC7204E4-D716-BACE-4AD9-01EC161C52ED}"/>
               </a:ext>
             </a:extLst>
           </p:cNvPr>
@@ -1169,7 +1169,7 @@
           <p:cNvPr id="6" name="灯片编号占位符 5">
             <a:extLst>
               <a:ext uri="{FF2B5EF4-FFF2-40B4-BE49-F238E27FC236}">
-                <a16:creationId xmlns:a16="http://schemas.microsoft.com/office/drawing/2014/main" id="{0B6812DC-6ECE-9F8C-F7CC-8AA10C04F803}"/>
+                <a16:creationId xmlns:a16="http://schemas.microsoft.com/office/drawing/2014/main" id="{9D2C62DD-23AD-BBB1-EE68-04CDAEE46ACE}"/>
               </a:ext>
             </a:extLst>
           </p:cNvPr>
@@ -1185,7 +1185,7 @@
           <a:bodyPr/>
           <a:lstStyle/>
           <a:p>
-            <a:fld id="{03744990-13AD-4218-938D-ECBD9D556FBD}" type="slidenum">
+            <a:fld id="{4445C4E5-EBDC-42A6-9520-7D321BB61697}" type="slidenum">
               <a:rPr lang="zh-CN" altLang="en-US" smtClean="0"/>
               <a:t>‹#›</a:t>
             </a:fld>
@@ -1196,7 +1196,7 @@
     </p:spTree>
     <p:extLst>
       <p:ext uri="{BB962C8B-B14F-4D97-AF65-F5344CB8AC3E}">
-        <p14:creationId xmlns:p14="http://schemas.microsoft.com/office/powerpoint/2010/main" val="107415107"/>
+        <p14:creationId xmlns:p14="http://schemas.microsoft.com/office/powerpoint/2010/main" val="1392231238"/>
       </p:ext>
     </p:extLst>
   </p:cSld>
@@ -1228,7 +1228,7 @@
           <p:cNvPr id="2" name="标题 1">
             <a:extLst>
               <a:ext uri="{FF2B5EF4-FFF2-40B4-BE49-F238E27FC236}">
-                <a16:creationId xmlns:a16="http://schemas.microsoft.com/office/drawing/2014/main" id="{CD9D0547-F06D-F426-0D77-4BE8A0EF83DB}"/>
+                <a16:creationId xmlns:a16="http://schemas.microsoft.com/office/drawing/2014/main" id="{BED6DC9C-179D-EDBF-A360-F6ECD6ED17D1}"/>
               </a:ext>
             </a:extLst>
           </p:cNvPr>
@@ -1256,7 +1256,7 @@
           <p:cNvPr id="3" name="内容占位符 2">
             <a:extLst>
               <a:ext uri="{FF2B5EF4-FFF2-40B4-BE49-F238E27FC236}">
-                <a16:creationId xmlns:a16="http://schemas.microsoft.com/office/drawing/2014/main" id="{91905CF5-DCB0-ED7C-D872-8A0A9C5244AE}"/>
+                <a16:creationId xmlns:a16="http://schemas.microsoft.com/office/drawing/2014/main" id="{738E373E-523A-A298-BAEE-6E496DF0360A}"/>
               </a:ext>
             </a:extLst>
           </p:cNvPr>
@@ -1318,7 +1318,7 @@
           <p:cNvPr id="4" name="内容占位符 3">
             <a:extLst>
               <a:ext uri="{FF2B5EF4-FFF2-40B4-BE49-F238E27FC236}">
-                <a16:creationId xmlns:a16="http://schemas.microsoft.com/office/drawing/2014/main" id="{7A5B3BDE-6A01-A887-B0BB-D25902D71F03}"/>
+                <a16:creationId xmlns:a16="http://schemas.microsoft.com/office/drawing/2014/main" id="{E0B380BF-20F9-2B2D-92C6-F0B668ADB12D}"/>
               </a:ext>
             </a:extLst>
           </p:cNvPr>
@@ -1380,7 +1380,7 @@
           <p:cNvPr id="5" name="日期占位符 4">
             <a:extLst>
               <a:ext uri="{FF2B5EF4-FFF2-40B4-BE49-F238E27FC236}">
-                <a16:creationId xmlns:a16="http://schemas.microsoft.com/office/drawing/2014/main" id="{DC1EDC65-9F47-4FFA-F66B-74E75CDACE4C}"/>
+                <a16:creationId xmlns:a16="http://schemas.microsoft.com/office/drawing/2014/main" id="{2B69547D-6D86-B38A-2E32-BAE3FF515AA9}"/>
               </a:ext>
             </a:extLst>
           </p:cNvPr>
@@ -1396,7 +1396,7 @@
           <a:bodyPr/>
           <a:lstStyle/>
           <a:p>
-            <a:fld id="{BD3C8CC7-D990-4D67-9D47-950FE1A05C92}" type="datetimeFigureOut">
+            <a:fld id="{0CEAB4F7-4342-44DF-8871-2E220318F9A7}" type="datetimeFigureOut">
               <a:rPr lang="zh-CN" altLang="en-US" smtClean="0"/>
               <a:t>2024/3/10</a:t>
             </a:fld>
@@ -1409,7 +1409,7 @@
           <p:cNvPr id="6" name="页脚占位符 5">
             <a:extLst>
               <a:ext uri="{FF2B5EF4-FFF2-40B4-BE49-F238E27FC236}">
-                <a16:creationId xmlns:a16="http://schemas.microsoft.com/office/drawing/2014/main" id="{D242FDBD-A9CA-1CB2-CB91-D183C5980725}"/>
+                <a16:creationId xmlns:a16="http://schemas.microsoft.com/office/drawing/2014/main" id="{B63D5877-F981-02A7-A319-C60FC35F5C56}"/>
               </a:ext>
             </a:extLst>
           </p:cNvPr>
@@ -1434,7 +1434,7 @@
           <p:cNvPr id="7" name="灯片编号占位符 6">
             <a:extLst>
               <a:ext uri="{FF2B5EF4-FFF2-40B4-BE49-F238E27FC236}">
-                <a16:creationId xmlns:a16="http://schemas.microsoft.com/office/drawing/2014/main" id="{19880322-01A1-48C5-72CE-F1A0AA66CC81}"/>
+                <a16:creationId xmlns:a16="http://schemas.microsoft.com/office/drawing/2014/main" id="{B68EAFDE-DD4B-02C6-D36E-BC53EC7F3C9A}"/>
               </a:ext>
             </a:extLst>
           </p:cNvPr>
@@ -1450,7 +1450,7 @@
           <a:bodyPr/>
           <a:lstStyle/>
           <a:p>
-            <a:fld id="{03744990-13AD-4218-938D-ECBD9D556FBD}" type="slidenum">
+            <a:fld id="{4445C4E5-EBDC-42A6-9520-7D321BB61697}" type="slidenum">
               <a:rPr lang="zh-CN" altLang="en-US" smtClean="0"/>
               <a:t>‹#›</a:t>
             </a:fld>
@@ -1461,7 +1461,7 @@
     </p:spTree>
     <p:extLst>
       <p:ext uri="{BB962C8B-B14F-4D97-AF65-F5344CB8AC3E}">
-        <p14:creationId xmlns:p14="http://schemas.microsoft.com/office/powerpoint/2010/main" val="3479427093"/>
+        <p14:creationId xmlns:p14="http://schemas.microsoft.com/office/powerpoint/2010/main" val="1682974152"/>
       </p:ext>
     </p:extLst>
   </p:cSld>
@@ -1493,7 +1493,7 @@
           <p:cNvPr id="2" name="标题 1">
             <a:extLst>
               <a:ext uri="{FF2B5EF4-FFF2-40B4-BE49-F238E27FC236}">
-                <a16:creationId xmlns:a16="http://schemas.microsoft.com/office/drawing/2014/main" id="{432085D1-F955-8E24-11C1-09FF3060F599}"/>
+                <a16:creationId xmlns:a16="http://schemas.microsoft.com/office/drawing/2014/main" id="{D445CBB7-CA4D-E45C-1E78-059B3896346A}"/>
               </a:ext>
             </a:extLst>
           </p:cNvPr>
@@ -1526,7 +1526,7 @@
           <p:cNvPr id="3" name="文本占位符 2">
             <a:extLst>
               <a:ext uri="{FF2B5EF4-FFF2-40B4-BE49-F238E27FC236}">
-                <a16:creationId xmlns:a16="http://schemas.microsoft.com/office/drawing/2014/main" id="{7ADC9A72-3ABD-7D34-AE74-7BBB1F71C4F4}"/>
+                <a16:creationId xmlns:a16="http://schemas.microsoft.com/office/drawing/2014/main" id="{217F638B-097E-A376-B7E7-E832A5583106}"/>
               </a:ext>
             </a:extLst>
           </p:cNvPr>
@@ -1597,7 +1597,7 @@
           <p:cNvPr id="4" name="内容占位符 3">
             <a:extLst>
               <a:ext uri="{FF2B5EF4-FFF2-40B4-BE49-F238E27FC236}">
-                <a16:creationId xmlns:a16="http://schemas.microsoft.com/office/drawing/2014/main" id="{CF46DF10-3F97-7665-B29E-A013B29F74B7}"/>
+                <a16:creationId xmlns:a16="http://schemas.microsoft.com/office/drawing/2014/main" id="{57D0C2F0-B5E7-7701-FB64-6EF287B5CAC4}"/>
               </a:ext>
             </a:extLst>
           </p:cNvPr>
@@ -1659,7 +1659,7 @@
           <p:cNvPr id="5" name="文本占位符 4">
             <a:extLst>
               <a:ext uri="{FF2B5EF4-FFF2-40B4-BE49-F238E27FC236}">
-                <a16:creationId xmlns:a16="http://schemas.microsoft.com/office/drawing/2014/main" id="{4AD3C17C-06EF-2C58-2E61-81AA7727CFE3}"/>
+                <a16:creationId xmlns:a16="http://schemas.microsoft.com/office/drawing/2014/main" id="{7BE17703-0B09-FBE3-2876-06F4BBF6ED19}"/>
               </a:ext>
             </a:extLst>
           </p:cNvPr>
@@ -1730,7 +1730,7 @@
           <p:cNvPr id="6" name="内容占位符 5">
             <a:extLst>
               <a:ext uri="{FF2B5EF4-FFF2-40B4-BE49-F238E27FC236}">
-                <a16:creationId xmlns:a16="http://schemas.microsoft.com/office/drawing/2014/main" id="{CCDD48EF-04FD-3724-DDE4-EFDC012B37FD}"/>
+                <a16:creationId xmlns:a16="http://schemas.microsoft.com/office/drawing/2014/main" id="{107EEFCD-C2C8-BF33-CC86-7F8539DA4308}"/>
               </a:ext>
             </a:extLst>
           </p:cNvPr>
@@ -1792,7 +1792,7 @@
           <p:cNvPr id="7" name="日期占位符 6">
             <a:extLst>
               <a:ext uri="{FF2B5EF4-FFF2-40B4-BE49-F238E27FC236}">
-                <a16:creationId xmlns:a16="http://schemas.microsoft.com/office/drawing/2014/main" id="{683A62B0-D98F-F855-7DF7-B5285503CBC4}"/>
+                <a16:creationId xmlns:a16="http://schemas.microsoft.com/office/drawing/2014/main" id="{261477C5-7B3D-249A-31CB-BFFB42198861}"/>
               </a:ext>
             </a:extLst>
           </p:cNvPr>
@@ -1808,7 +1808,7 @@
           <a:bodyPr/>
           <a:lstStyle/>
           <a:p>
-            <a:fld id="{BD3C8CC7-D990-4D67-9D47-950FE1A05C92}" type="datetimeFigureOut">
+            <a:fld id="{0CEAB4F7-4342-44DF-8871-2E220318F9A7}" type="datetimeFigureOut">
               <a:rPr lang="zh-CN" altLang="en-US" smtClean="0"/>
               <a:t>2024/3/10</a:t>
             </a:fld>
@@ -1821,7 +1821,7 @@
           <p:cNvPr id="8" name="页脚占位符 7">
             <a:extLst>
               <a:ext uri="{FF2B5EF4-FFF2-40B4-BE49-F238E27FC236}">
-                <a16:creationId xmlns:a16="http://schemas.microsoft.com/office/drawing/2014/main" id="{710864FE-ECC2-0528-F9E2-A99192A20E94}"/>
+                <a16:creationId xmlns:a16="http://schemas.microsoft.com/office/drawing/2014/main" id="{4409D8C6-9F71-B37A-FCED-75C91FF605FB}"/>
               </a:ext>
             </a:extLst>
           </p:cNvPr>
@@ -1846,7 +1846,7 @@
           <p:cNvPr id="9" name="灯片编号占位符 8">
             <a:extLst>
               <a:ext uri="{FF2B5EF4-FFF2-40B4-BE49-F238E27FC236}">
-                <a16:creationId xmlns:a16="http://schemas.microsoft.com/office/drawing/2014/main" id="{8F4DDBEB-5F36-BF2D-6508-F4D3A821D3D1}"/>
+                <a16:creationId xmlns:a16="http://schemas.microsoft.com/office/drawing/2014/main" id="{50A1B204-B1A7-A00C-7292-F2969159872C}"/>
               </a:ext>
             </a:extLst>
           </p:cNvPr>
@@ -1862,7 +1862,7 @@
           <a:bodyPr/>
           <a:lstStyle/>
           <a:p>
-            <a:fld id="{03744990-13AD-4218-938D-ECBD9D556FBD}" type="slidenum">
+            <a:fld id="{4445C4E5-EBDC-42A6-9520-7D321BB61697}" type="slidenum">
               <a:rPr lang="zh-CN" altLang="en-US" smtClean="0"/>
               <a:t>‹#›</a:t>
             </a:fld>
@@ -1873,7 +1873,7 @@
     </p:spTree>
     <p:extLst>
       <p:ext uri="{BB962C8B-B14F-4D97-AF65-F5344CB8AC3E}">
-        <p14:creationId xmlns:p14="http://schemas.microsoft.com/office/powerpoint/2010/main" val="2252005064"/>
+        <p14:creationId xmlns:p14="http://schemas.microsoft.com/office/powerpoint/2010/main" val="2623454282"/>
       </p:ext>
     </p:extLst>
   </p:cSld>
@@ -1905,7 +1905,7 @@
           <p:cNvPr id="2" name="标题 1">
             <a:extLst>
               <a:ext uri="{FF2B5EF4-FFF2-40B4-BE49-F238E27FC236}">
-                <a16:creationId xmlns:a16="http://schemas.microsoft.com/office/drawing/2014/main" id="{9E1D2EC4-C5A5-3E74-9BAB-1A6340876B03}"/>
+                <a16:creationId xmlns:a16="http://schemas.microsoft.com/office/drawing/2014/main" id="{14FB3E6A-ACC9-B60C-D6E5-DC2B4A37BD3C}"/>
               </a:ext>
             </a:extLst>
           </p:cNvPr>
@@ -1933,7 +1933,7 @@
           <p:cNvPr id="3" name="日期占位符 2">
             <a:extLst>
               <a:ext uri="{FF2B5EF4-FFF2-40B4-BE49-F238E27FC236}">
-                <a16:creationId xmlns:a16="http://schemas.microsoft.com/office/drawing/2014/main" id="{4637DF30-DD99-B8AA-DA40-59A719D3ABF5}"/>
+                <a16:creationId xmlns:a16="http://schemas.microsoft.com/office/drawing/2014/main" id="{A7560F90-3778-F238-9731-C9D134B468EB}"/>
               </a:ext>
             </a:extLst>
           </p:cNvPr>
@@ -1949,7 +1949,7 @@
           <a:bodyPr/>
           <a:lstStyle/>
           <a:p>
-            <a:fld id="{BD3C8CC7-D990-4D67-9D47-950FE1A05C92}" type="datetimeFigureOut">
+            <a:fld id="{0CEAB4F7-4342-44DF-8871-2E220318F9A7}" type="datetimeFigureOut">
               <a:rPr lang="zh-CN" altLang="en-US" smtClean="0"/>
               <a:t>2024/3/10</a:t>
             </a:fld>
@@ -1962,7 +1962,7 @@
           <p:cNvPr id="4" name="页脚占位符 3">
             <a:extLst>
               <a:ext uri="{FF2B5EF4-FFF2-40B4-BE49-F238E27FC236}">
-                <a16:creationId xmlns:a16="http://schemas.microsoft.com/office/drawing/2014/main" id="{2E1FDA51-FD6B-8F2D-84C5-81C416607A90}"/>
+                <a16:creationId xmlns:a16="http://schemas.microsoft.com/office/drawing/2014/main" id="{86EC1383-59B3-9E76-3417-2C0E0A444582}"/>
               </a:ext>
             </a:extLst>
           </p:cNvPr>
@@ -1987,7 +1987,7 @@
           <p:cNvPr id="5" name="灯片编号占位符 4">
             <a:extLst>
               <a:ext uri="{FF2B5EF4-FFF2-40B4-BE49-F238E27FC236}">
-                <a16:creationId xmlns:a16="http://schemas.microsoft.com/office/drawing/2014/main" id="{6639F7A7-4BEF-18D5-17FD-9972C58899F8}"/>
+                <a16:creationId xmlns:a16="http://schemas.microsoft.com/office/drawing/2014/main" id="{8D83FDF0-7F79-65CE-2870-9764114CB812}"/>
               </a:ext>
             </a:extLst>
           </p:cNvPr>
@@ -2003,7 +2003,7 @@
           <a:bodyPr/>
           <a:lstStyle/>
           <a:p>
-            <a:fld id="{03744990-13AD-4218-938D-ECBD9D556FBD}" type="slidenum">
+            <a:fld id="{4445C4E5-EBDC-42A6-9520-7D321BB61697}" type="slidenum">
               <a:rPr lang="zh-CN" altLang="en-US" smtClean="0"/>
               <a:t>‹#›</a:t>
             </a:fld>
@@ -2014,7 +2014,7 @@
     </p:spTree>
     <p:extLst>
       <p:ext uri="{BB962C8B-B14F-4D97-AF65-F5344CB8AC3E}">
-        <p14:creationId xmlns:p14="http://schemas.microsoft.com/office/powerpoint/2010/main" val="3272401557"/>
+        <p14:creationId xmlns:p14="http://schemas.microsoft.com/office/powerpoint/2010/main" val="2598554735"/>
       </p:ext>
     </p:extLst>
   </p:cSld>
@@ -2046,7 +2046,7 @@
           <p:cNvPr id="2" name="日期占位符 1">
             <a:extLst>
               <a:ext uri="{FF2B5EF4-FFF2-40B4-BE49-F238E27FC236}">
-                <a16:creationId xmlns:a16="http://schemas.microsoft.com/office/drawing/2014/main" id="{76FCD920-821E-912C-81C4-DA2E5BE0364A}"/>
+                <a16:creationId xmlns:a16="http://schemas.microsoft.com/office/drawing/2014/main" id="{8A0B5B40-7DF9-A689-4C3C-CB838E3D1DC7}"/>
               </a:ext>
             </a:extLst>
           </p:cNvPr>
@@ -2062,7 +2062,7 @@
           <a:bodyPr/>
           <a:lstStyle/>
           <a:p>
-            <a:fld id="{BD3C8CC7-D990-4D67-9D47-950FE1A05C92}" type="datetimeFigureOut">
+            <a:fld id="{0CEAB4F7-4342-44DF-8871-2E220318F9A7}" type="datetimeFigureOut">
               <a:rPr lang="zh-CN" altLang="en-US" smtClean="0"/>
               <a:t>2024/3/10</a:t>
             </a:fld>
@@ -2075,7 +2075,7 @@
           <p:cNvPr id="3" name="页脚占位符 2">
             <a:extLst>
               <a:ext uri="{FF2B5EF4-FFF2-40B4-BE49-F238E27FC236}">
-                <a16:creationId xmlns:a16="http://schemas.microsoft.com/office/drawing/2014/main" id="{07993338-8B53-5E67-108E-E3AD366A59DF}"/>
+                <a16:creationId xmlns:a16="http://schemas.microsoft.com/office/drawing/2014/main" id="{11A447D8-9E5D-3E31-DF01-195F4FEFCD56}"/>
               </a:ext>
             </a:extLst>
           </p:cNvPr>
@@ -2100,7 +2100,7 @@
           <p:cNvPr id="4" name="灯片编号占位符 3">
             <a:extLst>
               <a:ext uri="{FF2B5EF4-FFF2-40B4-BE49-F238E27FC236}">
-                <a16:creationId xmlns:a16="http://schemas.microsoft.com/office/drawing/2014/main" id="{75DBD2CF-9569-08A5-E27E-5DE4330FD135}"/>
+                <a16:creationId xmlns:a16="http://schemas.microsoft.com/office/drawing/2014/main" id="{50E8442F-5782-F49E-A296-0A939506F86F}"/>
               </a:ext>
             </a:extLst>
           </p:cNvPr>
@@ -2116,7 +2116,7 @@
           <a:bodyPr/>
           <a:lstStyle/>
           <a:p>
-            <a:fld id="{03744990-13AD-4218-938D-ECBD9D556FBD}" type="slidenum">
+            <a:fld id="{4445C4E5-EBDC-42A6-9520-7D321BB61697}" type="slidenum">
               <a:rPr lang="zh-CN" altLang="en-US" smtClean="0"/>
               <a:t>‹#›</a:t>
             </a:fld>
@@ -2127,7 +2127,7 @@
     </p:spTree>
     <p:extLst>
       <p:ext uri="{BB962C8B-B14F-4D97-AF65-F5344CB8AC3E}">
-        <p14:creationId xmlns:p14="http://schemas.microsoft.com/office/powerpoint/2010/main" val="2111757753"/>
+        <p14:creationId xmlns:p14="http://schemas.microsoft.com/office/powerpoint/2010/main" val="3832001577"/>
       </p:ext>
     </p:extLst>
   </p:cSld>
@@ -2159,7 +2159,7 @@
           <p:cNvPr id="2" name="标题 1">
             <a:extLst>
               <a:ext uri="{FF2B5EF4-FFF2-40B4-BE49-F238E27FC236}">
-                <a16:creationId xmlns:a16="http://schemas.microsoft.com/office/drawing/2014/main" id="{C4804B9B-35B0-505F-19BA-65D699C5D187}"/>
+                <a16:creationId xmlns:a16="http://schemas.microsoft.com/office/drawing/2014/main" id="{9053FF5C-B795-BFC9-C369-1E12DD955078}"/>
               </a:ext>
             </a:extLst>
           </p:cNvPr>
@@ -2196,7 +2196,7 @@
           <p:cNvPr id="3" name="内容占位符 2">
             <a:extLst>
               <a:ext uri="{FF2B5EF4-FFF2-40B4-BE49-F238E27FC236}">
-                <a16:creationId xmlns:a16="http://schemas.microsoft.com/office/drawing/2014/main" id="{BB89E0EA-392A-CA0D-05E8-A18296A9F8B4}"/>
+                <a16:creationId xmlns:a16="http://schemas.microsoft.com/office/drawing/2014/main" id="{E3246E3E-96E9-8BA0-9046-744EC2600B8A}"/>
               </a:ext>
             </a:extLst>
           </p:cNvPr>
@@ -2286,7 +2286,7 @@
           <p:cNvPr id="4" name="文本占位符 3">
             <a:extLst>
               <a:ext uri="{FF2B5EF4-FFF2-40B4-BE49-F238E27FC236}">
-                <a16:creationId xmlns:a16="http://schemas.microsoft.com/office/drawing/2014/main" id="{E1266455-5A1B-99FC-D4A4-5CC681E5CBEF}"/>
+                <a16:creationId xmlns:a16="http://schemas.microsoft.com/office/drawing/2014/main" id="{91AF1557-8658-D385-A9DF-0AEE66627483}"/>
               </a:ext>
             </a:extLst>
           </p:cNvPr>
@@ -2357,7 +2357,7 @@
           <p:cNvPr id="5" name="日期占位符 4">
             <a:extLst>
               <a:ext uri="{FF2B5EF4-FFF2-40B4-BE49-F238E27FC236}">
-                <a16:creationId xmlns:a16="http://schemas.microsoft.com/office/drawing/2014/main" id="{CDCF987E-B221-61AB-3595-A2F7F5B5F3F9}"/>
+                <a16:creationId xmlns:a16="http://schemas.microsoft.com/office/drawing/2014/main" id="{0EACD9D0-4A38-FFB1-A707-F9D31FA30DF9}"/>
               </a:ext>
             </a:extLst>
           </p:cNvPr>
@@ -2373,7 +2373,7 @@
           <a:bodyPr/>
           <a:lstStyle/>
           <a:p>
-            <a:fld id="{BD3C8CC7-D990-4D67-9D47-950FE1A05C92}" type="datetimeFigureOut">
+            <a:fld id="{0CEAB4F7-4342-44DF-8871-2E220318F9A7}" type="datetimeFigureOut">
               <a:rPr lang="zh-CN" altLang="en-US" smtClean="0"/>
               <a:t>2024/3/10</a:t>
             </a:fld>
@@ -2386,7 +2386,7 @@
           <p:cNvPr id="6" name="页脚占位符 5">
             <a:extLst>
               <a:ext uri="{FF2B5EF4-FFF2-40B4-BE49-F238E27FC236}">
-                <a16:creationId xmlns:a16="http://schemas.microsoft.com/office/drawing/2014/main" id="{EE6129C8-6A47-BCCE-13C9-BF6D4C7E61CD}"/>
+                <a16:creationId xmlns:a16="http://schemas.microsoft.com/office/drawing/2014/main" id="{0338E1A7-E2E1-73F5-84AD-649EB7FEEDD6}"/>
               </a:ext>
             </a:extLst>
           </p:cNvPr>
@@ -2411,7 +2411,7 @@
           <p:cNvPr id="7" name="灯片编号占位符 6">
             <a:extLst>
               <a:ext uri="{FF2B5EF4-FFF2-40B4-BE49-F238E27FC236}">
-                <a16:creationId xmlns:a16="http://schemas.microsoft.com/office/drawing/2014/main" id="{53B466D8-5EEB-A8FE-1706-9C5D53E976C2}"/>
+                <a16:creationId xmlns:a16="http://schemas.microsoft.com/office/drawing/2014/main" id="{A4FCEB47-4466-3995-579C-FBF702410661}"/>
               </a:ext>
             </a:extLst>
           </p:cNvPr>
@@ -2427,7 +2427,7 @@
           <a:bodyPr/>
           <a:lstStyle/>
           <a:p>
-            <a:fld id="{03744990-13AD-4218-938D-ECBD9D556FBD}" type="slidenum">
+            <a:fld id="{4445C4E5-EBDC-42A6-9520-7D321BB61697}" type="slidenum">
               <a:rPr lang="zh-CN" altLang="en-US" smtClean="0"/>
               <a:t>‹#›</a:t>
             </a:fld>
@@ -2438,7 +2438,7 @@
     </p:spTree>
     <p:extLst>
       <p:ext uri="{BB962C8B-B14F-4D97-AF65-F5344CB8AC3E}">
-        <p14:creationId xmlns:p14="http://schemas.microsoft.com/office/powerpoint/2010/main" val="1277452419"/>
+        <p14:creationId xmlns:p14="http://schemas.microsoft.com/office/powerpoint/2010/main" val="4279619058"/>
       </p:ext>
     </p:extLst>
   </p:cSld>
@@ -2470,7 +2470,7 @@
           <p:cNvPr id="2" name="标题 1">
             <a:extLst>
               <a:ext uri="{FF2B5EF4-FFF2-40B4-BE49-F238E27FC236}">
-                <a16:creationId xmlns:a16="http://schemas.microsoft.com/office/drawing/2014/main" id="{995A3FC9-0C95-A055-4B55-CBFC0A571DE8}"/>
+                <a16:creationId xmlns:a16="http://schemas.microsoft.com/office/drawing/2014/main" id="{53ACC906-5533-8E56-407D-8E5410AC4B65}"/>
               </a:ext>
             </a:extLst>
           </p:cNvPr>
@@ -2507,7 +2507,7 @@
           <p:cNvPr id="3" name="图片占位符 2">
             <a:extLst>
               <a:ext uri="{FF2B5EF4-FFF2-40B4-BE49-F238E27FC236}">
-                <a16:creationId xmlns:a16="http://schemas.microsoft.com/office/drawing/2014/main" id="{98E429A4-72D6-E55F-43F5-C90954CBB5D1}"/>
+                <a16:creationId xmlns:a16="http://schemas.microsoft.com/office/drawing/2014/main" id="{409504E5-8A76-DB3E-5707-50E278129406}"/>
               </a:ext>
             </a:extLst>
           </p:cNvPr>
@@ -2574,7 +2574,7 @@
           <p:cNvPr id="4" name="文本占位符 3">
             <a:extLst>
               <a:ext uri="{FF2B5EF4-FFF2-40B4-BE49-F238E27FC236}">
-                <a16:creationId xmlns:a16="http://schemas.microsoft.com/office/drawing/2014/main" id="{5C323FF9-8229-4E96-602B-CAB1F3A2EF82}"/>
+                <a16:creationId xmlns:a16="http://schemas.microsoft.com/office/drawing/2014/main" id="{F1681693-9E7C-5E63-B4B6-4D96BE5513A6}"/>
               </a:ext>
             </a:extLst>
           </p:cNvPr>
@@ -2645,7 +2645,7 @@
           <p:cNvPr id="5" name="日期占位符 4">
             <a:extLst>
               <a:ext uri="{FF2B5EF4-FFF2-40B4-BE49-F238E27FC236}">
-                <a16:creationId xmlns:a16="http://schemas.microsoft.com/office/drawing/2014/main" id="{DFFEBD78-7C71-8410-29C6-1A57E5584B4D}"/>
+                <a16:creationId xmlns:a16="http://schemas.microsoft.com/office/drawing/2014/main" id="{304C9E96-1962-BE50-C7F7-923F979A56A8}"/>
               </a:ext>
             </a:extLst>
           </p:cNvPr>
@@ -2661,7 +2661,7 @@
           <a:bodyPr/>
           <a:lstStyle/>
           <a:p>
-            <a:fld id="{BD3C8CC7-D990-4D67-9D47-950FE1A05C92}" type="datetimeFigureOut">
+            <a:fld id="{0CEAB4F7-4342-44DF-8871-2E220318F9A7}" type="datetimeFigureOut">
               <a:rPr lang="zh-CN" altLang="en-US" smtClean="0"/>
               <a:t>2024/3/10</a:t>
             </a:fld>
@@ -2674,7 +2674,7 @@
           <p:cNvPr id="6" name="页脚占位符 5">
             <a:extLst>
               <a:ext uri="{FF2B5EF4-FFF2-40B4-BE49-F238E27FC236}">
-                <a16:creationId xmlns:a16="http://schemas.microsoft.com/office/drawing/2014/main" id="{0B1610D8-2F33-EF34-459A-5788743B6AF0}"/>
+                <a16:creationId xmlns:a16="http://schemas.microsoft.com/office/drawing/2014/main" id="{610CEBC2-390B-75D4-E6A8-D79C8E89C677}"/>
               </a:ext>
             </a:extLst>
           </p:cNvPr>
@@ -2699,7 +2699,7 @@
           <p:cNvPr id="7" name="灯片编号占位符 6">
             <a:extLst>
               <a:ext uri="{FF2B5EF4-FFF2-40B4-BE49-F238E27FC236}">
-                <a16:creationId xmlns:a16="http://schemas.microsoft.com/office/drawing/2014/main" id="{E8BCB558-6B06-837A-510D-4341C26D8DDC}"/>
+                <a16:creationId xmlns:a16="http://schemas.microsoft.com/office/drawing/2014/main" id="{1D49E250-3FA2-8739-C850-121D556CF166}"/>
               </a:ext>
             </a:extLst>
           </p:cNvPr>
@@ -2715,7 +2715,7 @@
           <a:bodyPr/>
           <a:lstStyle/>
           <a:p>
-            <a:fld id="{03744990-13AD-4218-938D-ECBD9D556FBD}" type="slidenum">
+            <a:fld id="{4445C4E5-EBDC-42A6-9520-7D321BB61697}" type="slidenum">
               <a:rPr lang="zh-CN" altLang="en-US" smtClean="0"/>
               <a:t>‹#›</a:t>
             </a:fld>
@@ -2726,7 +2726,7 @@
     </p:spTree>
     <p:extLst>
       <p:ext uri="{BB962C8B-B14F-4D97-AF65-F5344CB8AC3E}">
-        <p14:creationId xmlns:p14="http://schemas.microsoft.com/office/powerpoint/2010/main" val="3268194843"/>
+        <p14:creationId xmlns:p14="http://schemas.microsoft.com/office/powerpoint/2010/main" val="66338164"/>
       </p:ext>
     </p:extLst>
   </p:cSld>
@@ -2763,7 +2763,7 @@
           <p:cNvPr id="2" name="标题占位符 1">
             <a:extLst>
               <a:ext uri="{FF2B5EF4-FFF2-40B4-BE49-F238E27FC236}">
-                <a16:creationId xmlns:a16="http://schemas.microsoft.com/office/drawing/2014/main" id="{07DD0C3C-8DD1-AC4F-905B-08522A21B8D8}"/>
+                <a16:creationId xmlns:a16="http://schemas.microsoft.com/office/drawing/2014/main" id="{8A68EDE3-0229-1481-8280-89A456F93AFF}"/>
               </a:ext>
             </a:extLst>
           </p:cNvPr>
@@ -2801,7 +2801,7 @@
           <p:cNvPr id="3" name="文本占位符 2">
             <a:extLst>
               <a:ext uri="{FF2B5EF4-FFF2-40B4-BE49-F238E27FC236}">
-                <a16:creationId xmlns:a16="http://schemas.microsoft.com/office/drawing/2014/main" id="{5155CE71-C855-BA37-8DDB-0B82816EFE04}"/>
+                <a16:creationId xmlns:a16="http://schemas.microsoft.com/office/drawing/2014/main" id="{377A8003-B21E-AB68-F5E9-FBDCB2E0374F}"/>
               </a:ext>
             </a:extLst>
           </p:cNvPr>
@@ -2868,7 +2868,7 @@
           <p:cNvPr id="4" name="日期占位符 3">
             <a:extLst>
               <a:ext uri="{FF2B5EF4-FFF2-40B4-BE49-F238E27FC236}">
-                <a16:creationId xmlns:a16="http://schemas.microsoft.com/office/drawing/2014/main" id="{63FE1845-760E-DA90-5919-F7BEB1E59E56}"/>
+                <a16:creationId xmlns:a16="http://schemas.microsoft.com/office/drawing/2014/main" id="{C958AF18-762A-8BD7-FCC0-71FBD6F4F3F2}"/>
               </a:ext>
             </a:extLst>
           </p:cNvPr>
@@ -2902,7 +2902,7 @@
             </a:lvl1pPr>
           </a:lstStyle>
           <a:p>
-            <a:fld id="{BD3C8CC7-D990-4D67-9D47-950FE1A05C92}" type="datetimeFigureOut">
+            <a:fld id="{0CEAB4F7-4342-44DF-8871-2E220318F9A7}" type="datetimeFigureOut">
               <a:rPr lang="zh-CN" altLang="en-US" smtClean="0"/>
               <a:t>2024/3/10</a:t>
             </a:fld>
@@ -2915,7 +2915,7 @@
           <p:cNvPr id="5" name="页脚占位符 4">
             <a:extLst>
               <a:ext uri="{FF2B5EF4-FFF2-40B4-BE49-F238E27FC236}">
-                <a16:creationId xmlns:a16="http://schemas.microsoft.com/office/drawing/2014/main" id="{729C515C-DEC6-1994-9A01-B108DD5CDA68}"/>
+                <a16:creationId xmlns:a16="http://schemas.microsoft.com/office/drawing/2014/main" id="{4586A65A-D059-4F78-3CCA-CF5663FD5F4F}"/>
               </a:ext>
             </a:extLst>
           </p:cNvPr>
@@ -2958,7 +2958,7 @@
           <p:cNvPr id="6" name="灯片编号占位符 5">
             <a:extLst>
               <a:ext uri="{FF2B5EF4-FFF2-40B4-BE49-F238E27FC236}">
-                <a16:creationId xmlns:a16="http://schemas.microsoft.com/office/drawing/2014/main" id="{AEEE4652-A23F-8493-5954-90BD72B69841}"/>
+                <a16:creationId xmlns:a16="http://schemas.microsoft.com/office/drawing/2014/main" id="{03554E41-A9A9-56BC-DE21-10FA58D1C0BD}"/>
               </a:ext>
             </a:extLst>
           </p:cNvPr>
@@ -2992,7 +2992,7 @@
             </a:lvl1pPr>
           </a:lstStyle>
           <a:p>
-            <a:fld id="{03744990-13AD-4218-938D-ECBD9D556FBD}" type="slidenum">
+            <a:fld id="{4445C4E5-EBDC-42A6-9520-7D321BB61697}" type="slidenum">
               <a:rPr lang="zh-CN" altLang="en-US" smtClean="0"/>
               <a:t>‹#›</a:t>
             </a:fld>
@@ -3003,7 +3003,7 @@
     </p:spTree>
     <p:extLst>
       <p:ext uri="{BB962C8B-B14F-4D97-AF65-F5344CB8AC3E}">
-        <p14:creationId xmlns:p14="http://schemas.microsoft.com/office/powerpoint/2010/main" val="3301016992"/>
+        <p14:creationId xmlns:p14="http://schemas.microsoft.com/office/powerpoint/2010/main" val="3838705309"/>
       </p:ext>
     </p:extLst>
   </p:cSld>
